--- a/spec/DesignApps(Regedit).pptx
+++ b/spec/DesignApps(Regedit).pptx
@@ -3108,7 +3108,7 @@
         </p:nvSpPr>
         <p:spPr>
           <a:xfrm>
-            <a:off x="3924302" y="2319413"/>
+            <a:off x="3924302" y="2288933"/>
             <a:ext cx="416625" cy="369332"/>
           </a:xfrm>
           <a:prstGeom prst="rect">
@@ -3139,7 +3139,7 @@
         <p:spPr>
           <a:xfrm>
             <a:off x="561977" y="832028"/>
-            <a:ext cx="3120941" cy="5203012"/>
+            <a:ext cx="3120941" cy="4430852"/>
           </a:xfrm>
           <a:prstGeom prst="rect">
             <a:avLst/>
@@ -3360,7 +3360,7 @@
         </p:nvSpPr>
         <p:spPr>
           <a:xfrm>
-            <a:off x="1122084" y="3818014"/>
+            <a:off x="1107521" y="3320174"/>
             <a:ext cx="1079500" cy="355600"/>
           </a:xfrm>
           <a:prstGeom prst="roundRect">
@@ -3388,7 +3388,7 @@
             <a:pPr algn="ctr"/>
             <a:r>
               <a:rPr lang="en-US" sz="1400" dirty="0" smtClean="0"/>
-              <a:t>Login</a:t>
+              <a:t>Cancel</a:t>
             </a:r>
             <a:endParaRPr lang="en-US" sz="1400" dirty="0"/>
           </a:p>
@@ -3402,7 +3402,7 @@
         </p:nvSpPr>
         <p:spPr>
           <a:xfrm>
-            <a:off x="2303184" y="3830714"/>
+            <a:off x="2288621" y="3332874"/>
             <a:ext cx="1066800" cy="342900"/>
           </a:xfrm>
           <a:prstGeom prst="roundRect">
@@ -3438,57 +3438,13 @@
       </p:sp>
       <p:sp>
         <p:nvSpPr>
-          <p:cNvPr id="14" name="TextBox 13"/>
-          <p:cNvSpPr txBox="1"/>
-          <p:nvPr/>
-        </p:nvSpPr>
-        <p:spPr>
-          <a:xfrm>
-            <a:off x="860148" y="4381023"/>
-            <a:ext cx="2682875" cy="307777"/>
-          </a:xfrm>
-          <a:prstGeom prst="rect">
-            <a:avLst/>
-          </a:prstGeom>
-          <a:noFill/>
-        </p:spPr>
-        <p:txBody>
-          <a:bodyPr wrap="square" rtlCol="0">
-            <a:spAutoFit/>
-          </a:bodyPr>
-          <a:lstStyle/>
-          <a:p>
-            <a:r>
-              <a:rPr lang="en-US" sz="1400" u="sng" dirty="0" smtClean="0">
-                <a:solidFill>
-                  <a:schemeClr val="tx2">
-                    <a:lumMod val="60000"/>
-                    <a:lumOff val="40000"/>
-                  </a:schemeClr>
-                </a:solidFill>
-              </a:rPr>
-              <a:t>If you forget password, click here</a:t>
-            </a:r>
-            <a:endParaRPr lang="en-US" sz="1400" u="sng" dirty="0">
-              <a:solidFill>
-                <a:schemeClr val="tx2">
-                  <a:lumMod val="60000"/>
-                  <a:lumOff val="40000"/>
-                </a:schemeClr>
-              </a:solidFill>
-            </a:endParaRPr>
-          </a:p>
-        </p:txBody>
-      </p:sp>
-      <p:sp>
-        <p:nvSpPr>
           <p:cNvPr id="15" name="TextBox 14"/>
           <p:cNvSpPr txBox="1"/>
           <p:nvPr/>
         </p:nvSpPr>
         <p:spPr>
           <a:xfrm>
-            <a:off x="3965023" y="1671633"/>
+            <a:off x="3965023" y="1620833"/>
             <a:ext cx="416625" cy="369332"/>
           </a:xfrm>
           <a:prstGeom prst="rect">
@@ -3518,7 +3474,7 @@
         </p:nvCxnSpPr>
         <p:spPr>
           <a:xfrm>
-            <a:off x="3384550" y="2514357"/>
+            <a:off x="3384550" y="2483877"/>
             <a:ext cx="609600" cy="0"/>
           </a:xfrm>
           <a:prstGeom prst="straightConnector1">
@@ -3556,7 +3512,7 @@
         </p:nvCxnSpPr>
         <p:spPr>
           <a:xfrm>
-            <a:off x="3395384" y="1859674"/>
+            <a:off x="3395384" y="1808874"/>
             <a:ext cx="609600" cy="0"/>
           </a:xfrm>
           <a:prstGeom prst="straightConnector1">
@@ -3596,7 +3552,7 @@
         </p:nvCxnSpPr>
         <p:spPr>
           <a:xfrm flipH="1">
-            <a:off x="534711" y="4021215"/>
+            <a:off x="520148" y="3523375"/>
             <a:ext cx="511175" cy="6865"/>
           </a:xfrm>
           <a:prstGeom prst="straightConnector1">
@@ -3628,13 +3584,13 @@
       </p:cxnSp>
       <p:sp>
         <p:nvSpPr>
-          <p:cNvPr id="29" name="TextBox 28"/>
+          <p:cNvPr id="30" name="TextBox 29"/>
           <p:cNvSpPr txBox="1"/>
           <p:nvPr/>
         </p:nvSpPr>
         <p:spPr>
           <a:xfrm>
-            <a:off x="1784960" y="4871440"/>
+            <a:off x="3965023" y="3345574"/>
             <a:ext cx="416625" cy="369332"/>
           </a:xfrm>
           <a:prstGeom prst="rect">
@@ -3650,7 +3606,7 @@
           <a:p>
             <a:r>
               <a:rPr lang="en-US" dirty="0" smtClean="0"/>
-              <a:t>#5</a:t>
+              <a:t>#6</a:t>
             </a:r>
             <a:endParaRPr lang="en-US" dirty="0"/>
           </a:p>
@@ -3658,13 +3614,13 @@
       </p:sp>
       <p:sp>
         <p:nvSpPr>
-          <p:cNvPr id="30" name="TextBox 29"/>
+          <p:cNvPr id="31" name="TextBox 30"/>
           <p:cNvSpPr txBox="1"/>
           <p:nvPr/>
         </p:nvSpPr>
         <p:spPr>
           <a:xfrm>
-            <a:off x="3979586" y="3843414"/>
+            <a:off x="103523" y="3345574"/>
             <a:ext cx="416625" cy="369332"/>
           </a:xfrm>
           <a:prstGeom prst="rect">
@@ -3680,37 +3636,7 @@
           <a:p>
             <a:r>
               <a:rPr lang="en-US" dirty="0" smtClean="0"/>
-              <a:t>#4</a:t>
-            </a:r>
-            <a:endParaRPr lang="en-US" dirty="0"/>
-          </a:p>
-        </p:txBody>
-      </p:sp>
-      <p:sp>
-        <p:nvSpPr>
-          <p:cNvPr id="31" name="TextBox 30"/>
-          <p:cNvSpPr txBox="1"/>
-          <p:nvPr/>
-        </p:nvSpPr>
-        <p:spPr>
-          <a:xfrm>
-            <a:off x="118086" y="3843414"/>
-            <a:ext cx="416625" cy="369332"/>
-          </a:xfrm>
-          <a:prstGeom prst="rect">
-            <a:avLst/>
-          </a:prstGeom>
-          <a:noFill/>
-        </p:spPr>
-        <p:txBody>
-          <a:bodyPr wrap="none" rtlCol="0">
-            <a:spAutoFit/>
-          </a:bodyPr>
-          <a:lstStyle/>
-          <a:p>
-            <a:r>
-              <a:rPr lang="en-US" dirty="0" smtClean="0"/>
-              <a:t>#3</a:t>
+              <a:t>#5</a:t>
             </a:r>
             <a:endParaRPr lang="en-US" dirty="0"/>
           </a:p>
@@ -3724,48 +3650,8 @@
         </p:nvCxnSpPr>
         <p:spPr>
           <a:xfrm>
-            <a:off x="3401650" y="4021214"/>
+            <a:off x="3387087" y="3523374"/>
             <a:ext cx="609600" cy="0"/>
-          </a:xfrm>
-          <a:prstGeom prst="straightConnector1">
-            <a:avLst/>
-          </a:prstGeom>
-          <a:ln w="3175" cmpd="sng">
-            <a:solidFill>
-              <a:srgbClr val="000000"/>
-            </a:solidFill>
-            <a:headEnd type="none"/>
-            <a:tailEnd type="arrow"/>
-          </a:ln>
-          <a:effectLst/>
-        </p:spPr>
-        <p:style>
-          <a:lnRef idx="2">
-            <a:schemeClr val="accent1"/>
-          </a:lnRef>
-          <a:fillRef idx="0">
-            <a:schemeClr val="accent1"/>
-          </a:fillRef>
-          <a:effectRef idx="1">
-            <a:schemeClr val="accent1"/>
-          </a:effectRef>
-          <a:fontRef idx="minor">
-            <a:schemeClr val="tx1"/>
-          </a:fontRef>
-        </p:style>
-      </p:cxnSp>
-      <p:cxnSp>
-        <p:nvCxnSpPr>
-          <p:cNvPr id="34" name="Straight Arrow Connector 33"/>
-          <p:cNvCxnSpPr>
-            <a:endCxn id="29" idx="0"/>
-          </p:cNvCxnSpPr>
-          <p:nvPr/>
-        </p:nvCxnSpPr>
-        <p:spPr>
-          <a:xfrm flipH="1">
-            <a:off x="1993273" y="4714200"/>
-            <a:ext cx="5113" cy="157240"/>
           </a:xfrm>
           <a:prstGeom prst="straightConnector1">
             <a:avLst/>
@@ -4031,7 +3917,7 @@
         <p:spPr>
           <a:xfrm>
             <a:off x="4358114" y="2958206"/>
-            <a:ext cx="2310808" cy="1862434"/>
+            <a:ext cx="2310808" cy="1069874"/>
           </a:xfrm>
           <a:prstGeom prst="rect">
             <a:avLst/>
@@ -4084,35 +3970,8 @@
                 <a:ea typeface="メイリオ"/>
                 <a:cs typeface="Tahoma"/>
               </a:rPr>
-              <a:t>Password is consisted of alphabets and numbers. The minimum length is 6.</a:t>
-            </a:r>
-          </a:p>
-          <a:p>
-            <a:pPr marL="439598" indent="-439598" algn="just">
-              <a:buFont typeface="Wingdings" charset="2"/>
-              <a:buChar char="ü"/>
-            </a:pPr>
-            <a:r>
-              <a:rPr lang="en-US" altLang="ja-JP" sz="1200" kern="0" dirty="0">
-                <a:solidFill>
-                  <a:schemeClr val="tx1"/>
-                </a:solidFill>
-                <a:latin typeface="Tahoma"/>
-                <a:ea typeface="メイリオ"/>
-                <a:cs typeface="Tahoma"/>
-              </a:rPr>
-              <a:t>If user already have logged in and access this screen, redirect to menu screen.</a:t>
-            </a:r>
-          </a:p>
-          <a:p>
-            <a:pPr algn="ctr"/>
-            <a:endParaRPr lang="en-US" sz="1200" dirty="0">
-              <a:solidFill>
-                <a:schemeClr val="tx1"/>
-              </a:solidFill>
-              <a:latin typeface="Tahoma"/>
-              <a:cs typeface="Tahoma"/>
-            </a:endParaRPr>
+              <a:t>Pass/Pass again is consisted of alphabets and numbers. The minimum length is 6.</a:t>
+            </a:r>
           </a:p>
         </p:txBody>
       </p:sp>
@@ -4805,7 +4664,7 @@
         </p:nvGrpSpPr>
         <p:grpSpPr>
           <a:xfrm>
-            <a:off x="2286943" y="4820640"/>
+            <a:off x="3221549" y="4066630"/>
             <a:ext cx="2273130" cy="1100100"/>
             <a:chOff x="2286943" y="3764000"/>
             <a:chExt cx="2273130" cy="1100100"/>
@@ -4864,7 +4723,7 @@
           <p:spPr>
             <a:xfrm>
               <a:off x="2408842" y="3910194"/>
-              <a:ext cx="1998057" cy="446276"/>
+              <a:ext cx="1998057" cy="630942"/>
             </a:xfrm>
             <a:prstGeom prst="rect">
               <a:avLst/>
@@ -4887,7 +4746,7 @@
               <a:pPr algn="ctr"/>
               <a:r>
                 <a:rPr lang="en-US" sz="1200" dirty="0"/>
-                <a:t>ID or password is incorrect</a:t>
+                <a:t>Pass and Pass again is not match</a:t>
               </a:r>
             </a:p>
           </p:txBody>
@@ -5000,7 +4859,7 @@
             <a:p>
               <a:r>
                 <a:rPr lang="en-US" dirty="0" smtClean="0"/>
-                <a:t>#6</a:t>
+                <a:t>#8</a:t>
               </a:r>
               <a:endParaRPr lang="en-US" dirty="0"/>
             </a:p>
@@ -5015,7 +4874,7 @@
         </p:nvSpPr>
         <p:spPr>
           <a:xfrm>
-            <a:off x="3921624" y="1972778"/>
+            <a:off x="3921624" y="1962618"/>
             <a:ext cx="416625" cy="369332"/>
           </a:xfrm>
           <a:prstGeom prst="rect">
@@ -5118,7 +4977,7 @@
         </p:nvCxnSpPr>
         <p:spPr>
           <a:xfrm>
-            <a:off x="3381872" y="2167722"/>
+            <a:off x="3381872" y="2157562"/>
             <a:ext cx="609600" cy="0"/>
           </a:xfrm>
           <a:prstGeom prst="straightConnector1">
@@ -5172,7 +5031,7 @@
           <a:p>
             <a:r>
               <a:rPr lang="en-US" dirty="0" smtClean="0"/>
-              <a:t>#3</a:t>
+              <a:t>#4</a:t>
             </a:r>
             <a:endParaRPr lang="en-US" dirty="0"/>
           </a:p>
@@ -5289,6 +5148,216 @@
           </a:fontRef>
         </p:style>
       </p:cxnSp>
+      <p:grpSp>
+        <p:nvGrpSpPr>
+          <p:cNvPr id="53" name="Group 52"/>
+          <p:cNvGrpSpPr/>
+          <p:nvPr/>
+        </p:nvGrpSpPr>
+        <p:grpSpPr>
+          <a:xfrm>
+            <a:off x="732774" y="4059100"/>
+            <a:ext cx="2273130" cy="1100100"/>
+            <a:chOff x="2286943" y="3764000"/>
+            <a:chExt cx="2273130" cy="1100100"/>
+          </a:xfrm>
+        </p:grpSpPr>
+        <p:sp>
+          <p:nvSpPr>
+            <p:cNvPr id="54" name="Rounded Rectangle 53"/>
+            <p:cNvSpPr/>
+            <p:nvPr/>
+          </p:nvSpPr>
+          <p:spPr>
+            <a:xfrm>
+              <a:off x="2286943" y="3764000"/>
+              <a:ext cx="2246957" cy="1100100"/>
+            </a:xfrm>
+            <a:prstGeom prst="roundRect">
+              <a:avLst/>
+            </a:prstGeom>
+            <a:solidFill>
+              <a:schemeClr val="tx2">
+                <a:lumMod val="40000"/>
+                <a:lumOff val="60000"/>
+              </a:schemeClr>
+            </a:solidFill>
+          </p:spPr>
+          <p:style>
+            <a:lnRef idx="1">
+              <a:schemeClr val="accent1"/>
+            </a:lnRef>
+            <a:fillRef idx="3">
+              <a:schemeClr val="accent1"/>
+            </a:fillRef>
+            <a:effectRef idx="2">
+              <a:schemeClr val="accent1"/>
+            </a:effectRef>
+            <a:fontRef idx="minor">
+              <a:schemeClr val="lt1"/>
+            </a:fontRef>
+          </p:style>
+          <p:txBody>
+            <a:bodyPr rtlCol="0" anchor="ctr"/>
+            <a:lstStyle/>
+            <a:p>
+              <a:pPr algn="ctr"/>
+              <a:endParaRPr lang="en-US" dirty="0"/>
+            </a:p>
+          </p:txBody>
+        </p:sp>
+        <p:sp>
+          <p:nvSpPr>
+            <p:cNvPr id="55" name="TextBox 54"/>
+            <p:cNvSpPr txBox="1"/>
+            <p:nvPr/>
+          </p:nvSpPr>
+          <p:spPr>
+            <a:xfrm>
+              <a:off x="2408842" y="3910194"/>
+              <a:ext cx="1998057" cy="446276"/>
+            </a:xfrm>
+            <a:prstGeom prst="rect">
+              <a:avLst/>
+            </a:prstGeom>
+            <a:noFill/>
+          </p:spPr>
+          <p:txBody>
+            <a:bodyPr wrap="square" rtlCol="0">
+              <a:spAutoFit/>
+            </a:bodyPr>
+            <a:lstStyle/>
+            <a:p>
+              <a:pPr algn="ctr"/>
+              <a:r>
+                <a:rPr lang="en-US" sz="1100" dirty="0" smtClean="0"/>
+                <a:t>ERROR</a:t>
+              </a:r>
+            </a:p>
+            <a:p>
+              <a:pPr algn="ctr"/>
+              <a:r>
+                <a:rPr lang="en-US" sz="1200" dirty="0"/>
+                <a:t>ID exist</a:t>
+              </a:r>
+            </a:p>
+          </p:txBody>
+        </p:sp>
+        <p:sp>
+          <p:nvSpPr>
+            <p:cNvPr id="56" name="Rounded Rectangle 55"/>
+            <p:cNvSpPr/>
+            <p:nvPr/>
+          </p:nvSpPr>
+          <p:spPr>
+            <a:xfrm>
+              <a:off x="2626498" y="4522915"/>
+              <a:ext cx="715684" cy="250569"/>
+            </a:xfrm>
+            <a:prstGeom prst="roundRect">
+              <a:avLst/>
+            </a:prstGeom>
+          </p:spPr>
+          <p:style>
+            <a:lnRef idx="1">
+              <a:schemeClr val="accent1"/>
+            </a:lnRef>
+            <a:fillRef idx="3">
+              <a:schemeClr val="accent1"/>
+            </a:fillRef>
+            <a:effectRef idx="2">
+              <a:schemeClr val="accent1"/>
+            </a:effectRef>
+            <a:fontRef idx="minor">
+              <a:schemeClr val="lt1"/>
+            </a:fontRef>
+          </p:style>
+          <p:txBody>
+            <a:bodyPr rtlCol="0" anchor="ctr"/>
+            <a:lstStyle/>
+            <a:p>
+              <a:pPr algn="ctr"/>
+              <a:r>
+                <a:rPr lang="en-US" sz="1000" dirty="0" smtClean="0"/>
+                <a:t>OK</a:t>
+              </a:r>
+              <a:endParaRPr lang="en-US" sz="1000" dirty="0"/>
+            </a:p>
+          </p:txBody>
+        </p:sp>
+        <p:sp>
+          <p:nvSpPr>
+            <p:cNvPr id="57" name="Rounded Rectangle 56"/>
+            <p:cNvSpPr/>
+            <p:nvPr/>
+          </p:nvSpPr>
+          <p:spPr>
+            <a:xfrm>
+              <a:off x="3543023" y="4522915"/>
+              <a:ext cx="713296" cy="250569"/>
+            </a:xfrm>
+            <a:prstGeom prst="roundRect">
+              <a:avLst/>
+            </a:prstGeom>
+          </p:spPr>
+          <p:style>
+            <a:lnRef idx="1">
+              <a:schemeClr val="accent1"/>
+            </a:lnRef>
+            <a:fillRef idx="3">
+              <a:schemeClr val="accent1"/>
+            </a:fillRef>
+            <a:effectRef idx="2">
+              <a:schemeClr val="accent1"/>
+            </a:effectRef>
+            <a:fontRef idx="minor">
+              <a:schemeClr val="lt1"/>
+            </a:fontRef>
+          </p:style>
+          <p:txBody>
+            <a:bodyPr rtlCol="0" anchor="ctr"/>
+            <a:lstStyle/>
+            <a:p>
+              <a:pPr algn="ctr"/>
+              <a:r>
+                <a:rPr lang="en-US" sz="1000" dirty="0" smtClean="0"/>
+                <a:t>CANCEL</a:t>
+              </a:r>
+              <a:endParaRPr lang="en-US" sz="1000" dirty="0"/>
+            </a:p>
+          </p:txBody>
+        </p:sp>
+        <p:sp>
+          <p:nvSpPr>
+            <p:cNvPr id="58" name="TextBox 57"/>
+            <p:cNvSpPr txBox="1"/>
+            <p:nvPr/>
+          </p:nvSpPr>
+          <p:spPr>
+            <a:xfrm>
+              <a:off x="4143448" y="3806900"/>
+              <a:ext cx="416625" cy="369332"/>
+            </a:xfrm>
+            <a:prstGeom prst="rect">
+              <a:avLst/>
+            </a:prstGeom>
+            <a:noFill/>
+          </p:spPr>
+          <p:txBody>
+            <a:bodyPr wrap="none" rtlCol="0">
+              <a:spAutoFit/>
+            </a:bodyPr>
+            <a:lstStyle/>
+            <a:p>
+              <a:r>
+                <a:rPr lang="en-US" dirty="0" smtClean="0"/>
+                <a:t>#7</a:t>
+              </a:r>
+              <a:endParaRPr lang="en-US" dirty="0"/>
+            </a:p>
+          </p:txBody>
+        </p:sp>
+      </p:grpSp>
     </p:spTree>
     <p:extLst>
       <p:ext uri="{BB962C8B-B14F-4D97-AF65-F5344CB8AC3E}">
